--- a/project.ml.imloc.pptx
+++ b/project.ml.imloc.pptx
@@ -107,7 +107,49 @@
       </a:defRPr>
     </a:lvl9pPr>
   </p:defaultTextStyle>
+  <p:extLst>
+    <p:ext uri="{EFAFB233-063F-42B5-8137-9DF3F51BA10A}">
+      <p15:sldGuideLst xmlns:p15="http://schemas.microsoft.com/office/powerpoint/2012/main"/>
+    </p:ext>
+  </p:extLst>
 </p:presentation>
+</file>
+
+<file path=ppt/changesInfos/changesInfo1.xml><?xml version="1.0" encoding="utf-8"?>
+<pc:chgInfo xmlns:a="http://schemas.openxmlformats.org/drawingml/2006/main" xmlns:r="http://schemas.openxmlformats.org/officeDocument/2006/relationships" xmlns:ac="http://schemas.microsoft.com/office/drawing/2013/main/command" xmlns:pc="http://schemas.microsoft.com/office/powerpoint/2013/main/command">
+  <pc:docChgLst>
+    <pc:chgData name="Daniel Hellwig" userId="0069a57aa6c64c70" providerId="LiveId" clId="{FFA8AC89-017F-4C8F-A1CA-77B9B896DE04}"/>
+    <pc:docChg chg="modSld">
+      <pc:chgData name="Daniel Hellwig" userId="0069a57aa6c64c70" providerId="LiveId" clId="{FFA8AC89-017F-4C8F-A1CA-77B9B896DE04}" dt="2019-12-04T21:35:20.985" v="31" actId="20577"/>
+      <pc:docMkLst>
+        <pc:docMk/>
+      </pc:docMkLst>
+      <pc:sldChg chg="modSp">
+        <pc:chgData name="Daniel Hellwig" userId="0069a57aa6c64c70" providerId="LiveId" clId="{FFA8AC89-017F-4C8F-A1CA-77B9B896DE04}" dt="2019-12-04T21:35:20.985" v="31" actId="20577"/>
+        <pc:sldMkLst>
+          <pc:docMk/>
+          <pc:sldMk cId="1924321738" sldId="256"/>
+        </pc:sldMkLst>
+        <pc:spChg chg="mod">
+          <ac:chgData name="Daniel Hellwig" userId="0069a57aa6c64c70" providerId="LiveId" clId="{FFA8AC89-017F-4C8F-A1CA-77B9B896DE04}" dt="2019-12-04T21:35:01.486" v="10" actId="20577"/>
+          <ac:spMkLst>
+            <pc:docMk/>
+            <pc:sldMk cId="1924321738" sldId="256"/>
+            <ac:spMk id="2" creationId="{074B0E71-29E6-404B-9E32-3878DCD30C38}"/>
+          </ac:spMkLst>
+        </pc:spChg>
+        <pc:spChg chg="mod">
+          <ac:chgData name="Daniel Hellwig" userId="0069a57aa6c64c70" providerId="LiveId" clId="{FFA8AC89-017F-4C8F-A1CA-77B9B896DE04}" dt="2019-12-04T21:35:20.985" v="31" actId="20577"/>
+          <ac:spMkLst>
+            <pc:docMk/>
+            <pc:sldMk cId="1924321738" sldId="256"/>
+            <ac:spMk id="3" creationId="{C107F30D-94E2-481A-B2DB-FC38BAFD2A3D}"/>
+          </ac:spMkLst>
+        </pc:spChg>
+      </pc:sldChg>
+    </pc:docChg>
+  </pc:docChgLst>
+</pc:chgInfo>
 </file>
 
 <file path=ppt/slideLayouts/slideLayout1.xml><?xml version="1.0" encoding="utf-8"?>
@@ -257,7 +299,7 @@
           <a:p>
             <a:fld id="{D5A73527-B58A-4DF1-B9DE-9CAC9EB2AC9F}" type="datetimeFigureOut">
               <a:rPr lang="en-US" smtClean="0"/>
-              <a:t>11/14/2018</a:t>
+              <a:t>12/4/2019</a:t>
             </a:fld>
             <a:endParaRPr lang="en-US"/>
           </a:p>
@@ -455,7 +497,7 @@
           <a:p>
             <a:fld id="{D5A73527-B58A-4DF1-B9DE-9CAC9EB2AC9F}" type="datetimeFigureOut">
               <a:rPr lang="en-US" smtClean="0"/>
-              <a:t>11/14/2018</a:t>
+              <a:t>12/4/2019</a:t>
             </a:fld>
             <a:endParaRPr lang="en-US"/>
           </a:p>
@@ -663,7 +705,7 @@
           <a:p>
             <a:fld id="{D5A73527-B58A-4DF1-B9DE-9CAC9EB2AC9F}" type="datetimeFigureOut">
               <a:rPr lang="en-US" smtClean="0"/>
-              <a:t>11/14/2018</a:t>
+              <a:t>12/4/2019</a:t>
             </a:fld>
             <a:endParaRPr lang="en-US"/>
           </a:p>
@@ -861,7 +903,7 @@
           <a:p>
             <a:fld id="{D5A73527-B58A-4DF1-B9DE-9CAC9EB2AC9F}" type="datetimeFigureOut">
               <a:rPr lang="en-US" smtClean="0"/>
-              <a:t>11/14/2018</a:t>
+              <a:t>12/4/2019</a:t>
             </a:fld>
             <a:endParaRPr lang="en-US"/>
           </a:p>
@@ -1136,7 +1178,7 @@
           <a:p>
             <a:fld id="{D5A73527-B58A-4DF1-B9DE-9CAC9EB2AC9F}" type="datetimeFigureOut">
               <a:rPr lang="en-US" smtClean="0"/>
-              <a:t>11/14/2018</a:t>
+              <a:t>12/4/2019</a:t>
             </a:fld>
             <a:endParaRPr lang="en-US"/>
           </a:p>
@@ -1401,7 +1443,7 @@
           <a:p>
             <a:fld id="{D5A73527-B58A-4DF1-B9DE-9CAC9EB2AC9F}" type="datetimeFigureOut">
               <a:rPr lang="en-US" smtClean="0"/>
-              <a:t>11/14/2018</a:t>
+              <a:t>12/4/2019</a:t>
             </a:fld>
             <a:endParaRPr lang="en-US"/>
           </a:p>
@@ -1813,7 +1855,7 @@
           <a:p>
             <a:fld id="{D5A73527-B58A-4DF1-B9DE-9CAC9EB2AC9F}" type="datetimeFigureOut">
               <a:rPr lang="en-US" smtClean="0"/>
-              <a:t>11/14/2018</a:t>
+              <a:t>12/4/2019</a:t>
             </a:fld>
             <a:endParaRPr lang="en-US"/>
           </a:p>
@@ -1954,7 +1996,7 @@
           <a:p>
             <a:fld id="{D5A73527-B58A-4DF1-B9DE-9CAC9EB2AC9F}" type="datetimeFigureOut">
               <a:rPr lang="en-US" smtClean="0"/>
-              <a:t>11/14/2018</a:t>
+              <a:t>12/4/2019</a:t>
             </a:fld>
             <a:endParaRPr lang="en-US"/>
           </a:p>
@@ -2067,7 +2109,7 @@
           <a:p>
             <a:fld id="{D5A73527-B58A-4DF1-B9DE-9CAC9EB2AC9F}" type="datetimeFigureOut">
               <a:rPr lang="en-US" smtClean="0"/>
-              <a:t>11/14/2018</a:t>
+              <a:t>12/4/2019</a:t>
             </a:fld>
             <a:endParaRPr lang="en-US"/>
           </a:p>
@@ -2378,7 +2420,7 @@
           <a:p>
             <a:fld id="{D5A73527-B58A-4DF1-B9DE-9CAC9EB2AC9F}" type="datetimeFigureOut">
               <a:rPr lang="en-US" smtClean="0"/>
-              <a:t>11/14/2018</a:t>
+              <a:t>12/4/2019</a:t>
             </a:fld>
             <a:endParaRPr lang="en-US"/>
           </a:p>
@@ -2666,7 +2708,7 @@
           <a:p>
             <a:fld id="{D5A73527-B58A-4DF1-B9DE-9CAC9EB2AC9F}" type="datetimeFigureOut">
               <a:rPr lang="en-US" smtClean="0"/>
-              <a:t>11/14/2018</a:t>
+              <a:t>12/4/2019</a:t>
             </a:fld>
             <a:endParaRPr lang="en-US"/>
           </a:p>
@@ -2907,7 +2949,7 @@
           <a:p>
             <a:fld id="{D5A73527-B58A-4DF1-B9DE-9CAC9EB2AC9F}" type="datetimeFigureOut">
               <a:rPr lang="en-US" smtClean="0"/>
-              <a:t>11/14/2018</a:t>
+              <a:t>12/4/2019</a:t>
             </a:fld>
             <a:endParaRPr lang="en-US"/>
           </a:p>
@@ -3353,9 +3395,10 @@
               <a:rPr lang="en-US" dirty="0"/>
             </a:br>
             <a:r>
-              <a:rPr lang="en-US" dirty="0"/>
-              <a:t>of Images</a:t>
-            </a:r>
+              <a:rPr lang="en-US"/>
+              <a:t>of Objects in Images</a:t>
+            </a:r>
+            <a:endParaRPr lang="en-US" dirty="0"/>
           </a:p>
         </p:txBody>
       </p:sp>
@@ -3393,8 +3436,13 @@
           <a:p>
             <a:r>
               <a:rPr lang="en-US" dirty="0"/>
-              <a:t>Daniel Hellwig</a:t>
-            </a:r>
+              <a:t>Daniel Hellwig / Dominik </a:t>
+            </a:r>
+            <a:r>
+              <a:rPr lang="en-US" dirty="0" err="1"/>
+              <a:t>Hillmann</a:t>
+            </a:r>
+            <a:endParaRPr lang="en-US" dirty="0"/>
           </a:p>
         </p:txBody>
       </p:sp>
